--- a/Teaching/OS/Quiz 1/Presentation1.pptx
+++ b/Teaching/OS/Quiz 1/Presentation1.pptx
@@ -104,6 +104,11 @@
       </a:defRPr>
     </a:lvl9pPr>
   </p:defaultTextStyle>
+  <p:extLst>
+    <p:ext uri="{EFAFB233-063F-42B5-8137-9DF3F51BA10A}">
+      <p15:sldGuideLst xmlns:p15="http://schemas.microsoft.com/office/powerpoint/2012/main"/>
+    </p:ext>
+  </p:extLst>
 </p:presentation>
 </file>
 
@@ -281,7 +286,7 @@
           <a:p>
             <a:fld id="{D3DA23F8-8362-4E1C-A3B5-D2F008B2A188}" type="datetimeFigureOut">
               <a:rPr lang="en-US" smtClean="0"/>
-              <a:t>3/15/2024</a:t>
+              <a:t>3/18/2024</a:t>
             </a:fld>
             <a:endParaRPr lang="en-US"/>
           </a:p>
@@ -479,7 +484,7 @@
           <a:p>
             <a:fld id="{D3DA23F8-8362-4E1C-A3B5-D2F008B2A188}" type="datetimeFigureOut">
               <a:rPr lang="en-US" smtClean="0"/>
-              <a:t>3/15/2024</a:t>
+              <a:t>3/18/2024</a:t>
             </a:fld>
             <a:endParaRPr lang="en-US"/>
           </a:p>
@@ -687,7 +692,7 @@
           <a:p>
             <a:fld id="{D3DA23F8-8362-4E1C-A3B5-D2F008B2A188}" type="datetimeFigureOut">
               <a:rPr lang="en-US" smtClean="0"/>
-              <a:t>3/15/2024</a:t>
+              <a:t>3/18/2024</a:t>
             </a:fld>
             <a:endParaRPr lang="en-US"/>
           </a:p>
@@ -885,7 +890,7 @@
           <a:p>
             <a:fld id="{D3DA23F8-8362-4E1C-A3B5-D2F008B2A188}" type="datetimeFigureOut">
               <a:rPr lang="en-US" smtClean="0"/>
-              <a:t>3/15/2024</a:t>
+              <a:t>3/18/2024</a:t>
             </a:fld>
             <a:endParaRPr lang="en-US"/>
           </a:p>
@@ -1160,7 +1165,7 @@
           <a:p>
             <a:fld id="{D3DA23F8-8362-4E1C-A3B5-D2F008B2A188}" type="datetimeFigureOut">
               <a:rPr lang="en-US" smtClean="0"/>
-              <a:t>3/15/2024</a:t>
+              <a:t>3/18/2024</a:t>
             </a:fld>
             <a:endParaRPr lang="en-US"/>
           </a:p>
@@ -1425,7 +1430,7 @@
           <a:p>
             <a:fld id="{D3DA23F8-8362-4E1C-A3B5-D2F008B2A188}" type="datetimeFigureOut">
               <a:rPr lang="en-US" smtClean="0"/>
-              <a:t>3/15/2024</a:t>
+              <a:t>3/18/2024</a:t>
             </a:fld>
             <a:endParaRPr lang="en-US"/>
           </a:p>
@@ -1837,7 +1842,7 @@
           <a:p>
             <a:fld id="{D3DA23F8-8362-4E1C-A3B5-D2F008B2A188}" type="datetimeFigureOut">
               <a:rPr lang="en-US" smtClean="0"/>
-              <a:t>3/15/2024</a:t>
+              <a:t>3/18/2024</a:t>
             </a:fld>
             <a:endParaRPr lang="en-US"/>
           </a:p>
@@ -1978,7 +1983,7 @@
           <a:p>
             <a:fld id="{D3DA23F8-8362-4E1C-A3B5-D2F008B2A188}" type="datetimeFigureOut">
               <a:rPr lang="en-US" smtClean="0"/>
-              <a:t>3/15/2024</a:t>
+              <a:t>3/18/2024</a:t>
             </a:fld>
             <a:endParaRPr lang="en-US"/>
           </a:p>
@@ -2091,7 +2096,7 @@
           <a:p>
             <a:fld id="{D3DA23F8-8362-4E1C-A3B5-D2F008B2A188}" type="datetimeFigureOut">
               <a:rPr lang="en-US" smtClean="0"/>
-              <a:t>3/15/2024</a:t>
+              <a:t>3/18/2024</a:t>
             </a:fld>
             <a:endParaRPr lang="en-US"/>
           </a:p>
@@ -2402,7 +2407,7 @@
           <a:p>
             <a:fld id="{D3DA23F8-8362-4E1C-A3B5-D2F008B2A188}" type="datetimeFigureOut">
               <a:rPr lang="en-US" smtClean="0"/>
-              <a:t>3/15/2024</a:t>
+              <a:t>3/18/2024</a:t>
             </a:fld>
             <a:endParaRPr lang="en-US"/>
           </a:p>
@@ -2690,7 +2695,7 @@
           <a:p>
             <a:fld id="{D3DA23F8-8362-4E1C-A3B5-D2F008B2A188}" type="datetimeFigureOut">
               <a:rPr lang="en-US" smtClean="0"/>
-              <a:t>3/15/2024</a:t>
+              <a:t>3/18/2024</a:t>
             </a:fld>
             <a:endParaRPr lang="en-US"/>
           </a:p>
@@ -2931,7 +2936,7 @@
           <a:p>
             <a:fld id="{D3DA23F8-8362-4E1C-A3B5-D2F008B2A188}" type="datetimeFigureOut">
               <a:rPr lang="en-US" smtClean="0"/>
-              <a:t>3/15/2024</a:t>
+              <a:t>3/18/2024</a:t>
             </a:fld>
             <a:endParaRPr lang="en-US"/>
           </a:p>
@@ -3643,8 +3648,8 @@
           </a:p>
         </p:txBody>
       </p:sp>
-      <mc:AlternateContent xmlns:mc="http://schemas.openxmlformats.org/markup-compatibility/2006">
-        <mc:Choice xmlns:p14="http://schemas.microsoft.com/office/powerpoint/2010/main" Requires="p14">
+      <mc:AlternateContent xmlns:mc="http://schemas.openxmlformats.org/markup-compatibility/2006" xmlns:p14="http://schemas.microsoft.com/office/powerpoint/2010/main">
+        <mc:Choice Requires="p14">
           <p:contentPart p14:bwMode="auto" r:id="rId2">
             <p14:nvContentPartPr>
               <p14:cNvPr id="21" name="Ink 20">
@@ -3663,7 +3668,7 @@
             </p14:xfrm>
           </p:contentPart>
         </mc:Choice>
-        <mc:Fallback>
+        <mc:Fallback xmlns="">
           <p:pic>
             <p:nvPicPr>
               <p:cNvPr id="21" name="Ink 20">
